--- a/LSTM-ML-class/TS/LSTM-ppt.pptx
+++ b/LSTM-ML-class/TS/LSTM-ppt.pptx
@@ -573,6 +573,61 @@
             <a:effectLst/>
           </c:spPr>
         </c:majorGridlines>
+        <c:title>
+          <c:tx>
+            <c:rich>
+              <a:bodyPr rot="-5400000" spcFirstLastPara="1" vertOverflow="ellipsis" vert="horz" wrap="square" anchor="ctr" anchorCtr="1"/>
+              <a:lstStyle/>
+              <a:p>
+                <a:pPr>
+                  <a:defRPr sz="1330" b="0" i="0" u="none" strike="noStrike" kern="1200" baseline="0">
+                    <a:solidFill>
+                      <a:schemeClr val="tx1">
+                        <a:lumMod val="65000"/>
+                        <a:lumOff val="35000"/>
+                      </a:schemeClr>
+                    </a:solidFill>
+                    <a:latin typeface="+mn-lt"/>
+                    <a:ea typeface="+mn-ea"/>
+                    <a:cs typeface="+mn-cs"/>
+                  </a:defRPr>
+                </a:pPr>
+                <a:r>
+                  <a:rPr lang="en-GB" dirty="0"/>
+                  <a:t>error</a:t>
+                </a:r>
+              </a:p>
+            </c:rich>
+          </c:tx>
+          <c:overlay val="0"/>
+          <c:spPr>
+            <a:noFill/>
+            <a:ln>
+              <a:noFill/>
+            </a:ln>
+            <a:effectLst/>
+          </c:spPr>
+          <c:txPr>
+            <a:bodyPr rot="-5400000" spcFirstLastPara="1" vertOverflow="ellipsis" vert="horz" wrap="square" anchor="ctr" anchorCtr="1"/>
+            <a:lstStyle/>
+            <a:p>
+              <a:pPr>
+                <a:defRPr sz="1330" b="0" i="0" u="none" strike="noStrike" kern="1200" baseline="0">
+                  <a:solidFill>
+                    <a:schemeClr val="tx1">
+                      <a:lumMod val="65000"/>
+                      <a:lumOff val="35000"/>
+                    </a:schemeClr>
+                  </a:solidFill>
+                  <a:latin typeface="+mn-lt"/>
+                  <a:ea typeface="+mn-ea"/>
+                  <a:cs typeface="+mn-cs"/>
+                </a:defRPr>
+              </a:pPr>
+              <a:endParaRPr lang="en-US"/>
+            </a:p>
+          </c:txPr>
+        </c:title>
         <c:numFmt formatCode="General" sourceLinked="1"/>
         <c:majorTickMark val="none"/>
         <c:minorTickMark val="none"/>
@@ -1404,7 +1459,7 @@
           <a:p>
             <a:fld id="{C61EA02F-6E3E-435D-8F42-A74608720C3D}" type="datetimeFigureOut">
               <a:rPr lang="en-GB" smtClean="0"/>
-              <a:t>04/06/2018</a:t>
+              <a:t>12/06/2018</a:t>
             </a:fld>
             <a:endParaRPr lang="en-GB"/>
           </a:p>
@@ -2758,7 +2813,7 @@
           <a:p>
             <a:fld id="{53C40E0D-B388-4C0D-95F4-02F501CA4DF7}" type="datetimeFigureOut">
               <a:rPr lang="en-GB" smtClean="0"/>
-              <a:t>04/06/2018</a:t>
+              <a:t>12/06/2018</a:t>
             </a:fld>
             <a:endParaRPr lang="en-GB"/>
           </a:p>
@@ -2970,7 +3025,7 @@
           <a:p>
             <a:fld id="{53C40E0D-B388-4C0D-95F4-02F501CA4DF7}" type="datetimeFigureOut">
               <a:rPr lang="en-GB" smtClean="0"/>
-              <a:t>04/06/2018</a:t>
+              <a:t>12/06/2018</a:t>
             </a:fld>
             <a:endParaRPr lang="en-GB"/>
           </a:p>
@@ -3192,7 +3247,7 @@
           <a:p>
             <a:fld id="{53C40E0D-B388-4C0D-95F4-02F501CA4DF7}" type="datetimeFigureOut">
               <a:rPr lang="en-GB" smtClean="0"/>
-              <a:t>04/06/2018</a:t>
+              <a:t>12/06/2018</a:t>
             </a:fld>
             <a:endParaRPr lang="en-GB"/>
           </a:p>
@@ -3404,7 +3459,7 @@
           <a:p>
             <a:fld id="{53C40E0D-B388-4C0D-95F4-02F501CA4DF7}" type="datetimeFigureOut">
               <a:rPr lang="en-GB" smtClean="0"/>
-              <a:t>04/06/2018</a:t>
+              <a:t>12/06/2018</a:t>
             </a:fld>
             <a:endParaRPr lang="en-GB"/>
           </a:p>
@@ -3692,7 +3747,7 @@
           <a:p>
             <a:fld id="{53C40E0D-B388-4C0D-95F4-02F501CA4DF7}" type="datetimeFigureOut">
               <a:rPr lang="en-GB" smtClean="0"/>
-              <a:t>04/06/2018</a:t>
+              <a:t>12/06/2018</a:t>
             </a:fld>
             <a:endParaRPr lang="en-GB"/>
           </a:p>
@@ -3972,7 +4027,7 @@
           <a:p>
             <a:fld id="{53C40E0D-B388-4C0D-95F4-02F501CA4DF7}" type="datetimeFigureOut">
               <a:rPr lang="en-GB" smtClean="0"/>
-              <a:t>04/06/2018</a:t>
+              <a:t>12/06/2018</a:t>
             </a:fld>
             <a:endParaRPr lang="en-GB"/>
           </a:p>
@@ -4399,7 +4454,7 @@
           <a:p>
             <a:fld id="{53C40E0D-B388-4C0D-95F4-02F501CA4DF7}" type="datetimeFigureOut">
               <a:rPr lang="en-GB" smtClean="0"/>
-              <a:t>04/06/2018</a:t>
+              <a:t>12/06/2018</a:t>
             </a:fld>
             <a:endParaRPr lang="en-GB"/>
           </a:p>
@@ -4553,7 +4608,7 @@
           <a:p>
             <a:fld id="{53C40E0D-B388-4C0D-95F4-02F501CA4DF7}" type="datetimeFigureOut">
               <a:rPr lang="en-GB" smtClean="0"/>
-              <a:t>04/06/2018</a:t>
+              <a:t>12/06/2018</a:t>
             </a:fld>
             <a:endParaRPr lang="en-GB"/>
           </a:p>
@@ -4678,7 +4733,7 @@
           <a:p>
             <a:fld id="{53C40E0D-B388-4C0D-95F4-02F501CA4DF7}" type="datetimeFigureOut">
               <a:rPr lang="en-GB" smtClean="0"/>
-              <a:t>04/06/2018</a:t>
+              <a:t>12/06/2018</a:t>
             </a:fld>
             <a:endParaRPr lang="en-GB"/>
           </a:p>
@@ -5003,7 +5058,7 @@
           <a:p>
             <a:fld id="{53C40E0D-B388-4C0D-95F4-02F501CA4DF7}" type="datetimeFigureOut">
               <a:rPr lang="en-GB" smtClean="0"/>
-              <a:t>04/06/2018</a:t>
+              <a:t>12/06/2018</a:t>
             </a:fld>
             <a:endParaRPr lang="en-GB"/>
           </a:p>
@@ -5304,7 +5359,7 @@
           <a:p>
             <a:fld id="{53C40E0D-B388-4C0D-95F4-02F501CA4DF7}" type="datetimeFigureOut">
               <a:rPr lang="en-GB" smtClean="0"/>
-              <a:t>04/06/2018</a:t>
+              <a:t>12/06/2018</a:t>
             </a:fld>
             <a:endParaRPr lang="en-GB"/>
           </a:p>
@@ -5559,7 +5614,7 @@
           <a:p>
             <a:fld id="{53C40E0D-B388-4C0D-95F4-02F501CA4DF7}" type="datetimeFigureOut">
               <a:rPr lang="en-GB" smtClean="0"/>
-              <a:t>04/06/2018</a:t>
+              <a:t>12/06/2018</a:t>
             </a:fld>
             <a:endParaRPr lang="en-GB"/>
           </a:p>
@@ -6004,7 +6059,12 @@
             <p:ph type="ctrTitle"/>
           </p:nvPr>
         </p:nvSpPr>
-        <p:spPr/>
+        <p:spPr>
+          <a:xfrm>
+            <a:off x="1524000" y="1122363"/>
+            <a:ext cx="9144000" cy="2387600"/>
+          </a:xfrm>
+        </p:spPr>
         <p:txBody>
           <a:bodyPr>
             <a:normAutofit fontScale="90000"/>
@@ -6012,14 +6072,14 @@
           <a:lstStyle/>
           <a:p>
             <a:r>
-              <a:rPr lang="en-GB" dirty="0"/>
+              <a:rPr lang="en-GB"/>
               <a:t>LSTM to predict parking space</a:t>
             </a:r>
             <a:br>
-              <a:rPr lang="en-GB" dirty="0"/>
+              <a:rPr lang="en-GB"/>
             </a:br>
             <a:r>
-              <a:rPr lang="en-GB" dirty="0"/>
+              <a:rPr lang="en-GB"/>
               <a:t>in Denmark</a:t>
             </a:r>
             <a:endParaRPr lang="en-GB" sz="4800" dirty="0"/>
@@ -6053,14 +6113,9 @@
           <a:lstStyle/>
           <a:p>
             <a:r>
-              <a:rPr lang="en-US" sz="2000" dirty="0"/>
-              <a:t>Sarah </a:t>
-            </a:r>
-            <a:r>
-              <a:rPr lang="en-US" sz="2000" dirty="0" err="1"/>
-              <a:t>Alkharif</a:t>
-            </a:r>
-            <a:endParaRPr lang="en-US" sz="2000" dirty="0"/>
+              <a:rPr lang="en-US" sz="2000"/>
+              <a:t>Sarah Alkharif</a:t>
+            </a:r>
           </a:p>
           <a:p>
             <a:endParaRPr lang="en-GB" dirty="0"/>
@@ -6282,6 +6337,104 @@
           </a:p>
         </p:txBody>
       </p:sp>
+      <p:sp>
+        <p:nvSpPr>
+          <p:cNvPr id="4" name="TextBox 3">
+            <a:extLst>
+              <a:ext uri="{FF2B5EF4-FFF2-40B4-BE49-F238E27FC236}">
+                <a16:creationId xmlns:a16="http://schemas.microsoft.com/office/drawing/2014/main" id="{BDB1C66C-A932-46EF-AF3C-1C1FB05166EA}"/>
+              </a:ext>
+            </a:extLst>
+          </p:cNvPr>
+          <p:cNvSpPr txBox="1"/>
+          <p:nvPr/>
+        </p:nvSpPr>
+        <p:spPr>
+          <a:xfrm>
+            <a:off x="638629" y="2191657"/>
+            <a:ext cx="9572171" cy="2123658"/>
+          </a:xfrm>
+          <a:prstGeom prst="rect">
+            <a:avLst/>
+          </a:prstGeom>
+          <a:noFill/>
+        </p:spPr>
+        <p:txBody>
+          <a:bodyPr wrap="square" rtlCol="0">
+            <a:spAutoFit/>
+          </a:bodyPr>
+          <a:lstStyle/>
+          <a:p>
+            <a:pPr marL="342900" indent="-342900">
+              <a:buFont typeface="Arial" panose="020B0604020202020204" pitchFamily="34" charset="0"/>
+              <a:buChar char="•"/>
+            </a:pPr>
+            <a:r>
+              <a:rPr lang="en-US" sz="2400" dirty="0"/>
+              <a:t>Sensors usually give us the actual parking space at any given instant.</a:t>
+            </a:r>
+          </a:p>
+          <a:p>
+            <a:pPr marL="342900" indent="-342900">
+              <a:buFont typeface="Arial" panose="020B0604020202020204" pitchFamily="34" charset="0"/>
+              <a:buChar char="•"/>
+            </a:pPr>
+            <a:endParaRPr lang="en-US" sz="2400" dirty="0"/>
+          </a:p>
+          <a:p>
+            <a:pPr marL="342900" indent="-342900">
+              <a:buFont typeface="Arial" panose="020B0604020202020204" pitchFamily="34" charset="0"/>
+              <a:buChar char="•"/>
+            </a:pPr>
+            <a:r>
+              <a:rPr lang="en-US" sz="2400" dirty="0"/>
+              <a:t>Forecasting the packing space enables users save time by knowing the space availability ahead of time</a:t>
+            </a:r>
+          </a:p>
+          <a:p>
+            <a:endParaRPr lang="en-US" dirty="0"/>
+          </a:p>
+          <a:p>
+            <a:endParaRPr lang="en-GB" dirty="0"/>
+          </a:p>
+        </p:txBody>
+      </p:sp>
+      <p:pic>
+        <p:nvPicPr>
+          <p:cNvPr id="6" name="Picture 5" descr="Screen Clipping">
+            <a:extLst>
+              <a:ext uri="{FF2B5EF4-FFF2-40B4-BE49-F238E27FC236}">
+                <a16:creationId xmlns:a16="http://schemas.microsoft.com/office/drawing/2014/main" id="{49FC3EF0-43C7-4B88-97E8-132BA5D15791}"/>
+              </a:ext>
+            </a:extLst>
+          </p:cNvPr>
+          <p:cNvPicPr>
+            <a:picLocks noChangeAspect="1"/>
+          </p:cNvPicPr>
+          <p:nvPr/>
+        </p:nvPicPr>
+        <p:blipFill>
+          <a:blip r:embed="rId7">
+            <a:extLst>
+              <a:ext uri="{28A0092B-C50C-407E-A947-70E740481C1C}">
+                <a14:useLocalDpi xmlns:a14="http://schemas.microsoft.com/office/drawing/2010/main" val="0"/>
+              </a:ext>
+            </a:extLst>
+          </a:blip>
+          <a:stretch>
+            <a:fillRect/>
+          </a:stretch>
+        </p:blipFill>
+        <p:spPr>
+          <a:xfrm>
+            <a:off x="6780575" y="3945983"/>
+            <a:ext cx="5137414" cy="2743341"/>
+          </a:xfrm>
+          <a:prstGeom prst="rect">
+            <a:avLst/>
+          </a:prstGeom>
+        </p:spPr>
+      </p:pic>
     </p:spTree>
     <p:extLst>
       <p:ext uri="{BB962C8B-B14F-4D97-AF65-F5344CB8AC3E}">
@@ -6468,8 +6621,8 @@
           </a:p>
         </p:txBody>
       </p:sp>
-      <mc:AlternateContent xmlns:mc="http://schemas.openxmlformats.org/markup-compatibility/2006">
-        <mc:Choice xmlns:a14="http://schemas.microsoft.com/office/drawing/2010/main" Requires="a14">
+      <mc:AlternateContent xmlns:mc="http://schemas.openxmlformats.org/markup-compatibility/2006" xmlns:a14="http://schemas.microsoft.com/office/drawing/2010/main">
+        <mc:Choice Requires="a14">
           <p:sp>
             <p:nvSpPr>
               <p:cNvPr id="5" name="TextBox 4"/>
@@ -6828,7 +6981,7 @@
             </p:txBody>
           </p:sp>
         </mc:Choice>
-        <mc:Fallback>
+        <mc:Fallback xmlns="">
           <p:sp>
             <p:nvSpPr>
               <p:cNvPr id="5" name="TextBox 4"/>
@@ -6867,8 +7020,8 @@
           </p:sp>
         </mc:Fallback>
       </mc:AlternateContent>
-      <mc:AlternateContent xmlns:mc="http://schemas.openxmlformats.org/markup-compatibility/2006">
-        <mc:Choice xmlns:a14="http://schemas.microsoft.com/office/drawing/2010/main" Requires="a14">
+      <mc:AlternateContent xmlns:mc="http://schemas.openxmlformats.org/markup-compatibility/2006" xmlns:a14="http://schemas.microsoft.com/office/drawing/2010/main">
+        <mc:Choice Requires="a14">
           <p:sp>
             <p:nvSpPr>
               <p:cNvPr id="6" name="TextBox 5"/>
@@ -7197,7 +7350,7 @@
             </p:txBody>
           </p:sp>
         </mc:Choice>
-        <mc:Fallback>
+        <mc:Fallback xmlns="">
           <p:sp>
             <p:nvSpPr>
               <p:cNvPr id="6" name="TextBox 5"/>
@@ -7377,10 +7530,10 @@
       </p:sp>
       <p:pic>
         <p:nvPicPr>
-          <p:cNvPr id="5" name="Picture 4">
+          <p:cNvPr id="4" name="Picture 3">
             <a:extLst>
               <a:ext uri="{FF2B5EF4-FFF2-40B4-BE49-F238E27FC236}">
-                <a16:creationId xmlns:a16="http://schemas.microsoft.com/office/drawing/2014/main" id="{1E3B11BC-C07B-4271-85BE-47003927F4AA}"/>
+                <a16:creationId xmlns:a16="http://schemas.microsoft.com/office/drawing/2014/main" id="{A6B7DA17-5612-4833-A913-E402C8894F71}"/>
               </a:ext>
             </a:extLst>
           </p:cNvPr>
@@ -7403,8 +7556,8 @@
         </p:blipFill>
         <p:spPr>
           <a:xfrm>
-            <a:off x="2137450" y="1601398"/>
-            <a:ext cx="7396411" cy="5093570"/>
+            <a:off x="2325303" y="1794557"/>
+            <a:ext cx="6571953" cy="4525803"/>
           </a:xfrm>
           <a:prstGeom prst="rect">
             <a:avLst/>
@@ -7523,11 +7676,11 @@
           <a:p>
             <a:r>
               <a:rPr lang="en-US" dirty="0"/>
-              <a:t>Get an hourly </a:t>
+              <a:t>Hourly </a:t>
             </a:r>
             <a:r>
               <a:rPr lang="en-GB" dirty="0"/>
-              <a:t>occupied</a:t>
+              <a:t>time step</a:t>
             </a:r>
             <a:endParaRPr lang="en-US" dirty="0"/>
           </a:p>
@@ -7538,10 +7691,57 @@
             </a:r>
           </a:p>
           <a:p>
+            <a:r>
+              <a:rPr lang="en-US" dirty="0"/>
+              <a:t>Using </a:t>
+            </a:r>
+            <a:r>
+              <a:rPr lang="en-GB" dirty="0" err="1"/>
+              <a:t>Keras</a:t>
+            </a:r>
+            <a:endParaRPr lang="en-US" dirty="0"/>
+          </a:p>
+          <a:p>
             <a:endParaRPr lang="en-GB" dirty="0"/>
           </a:p>
         </p:txBody>
       </p:sp>
+      <p:pic>
+        <p:nvPicPr>
+          <p:cNvPr id="5" name="Picture 4" descr="Screen Clipping">
+            <a:extLst>
+              <a:ext uri="{FF2B5EF4-FFF2-40B4-BE49-F238E27FC236}">
+                <a16:creationId xmlns:a16="http://schemas.microsoft.com/office/drawing/2014/main" id="{5E20FEAD-E9E2-495C-8586-DAF8581441AA}"/>
+              </a:ext>
+            </a:extLst>
+          </p:cNvPr>
+          <p:cNvPicPr>
+            <a:picLocks noChangeAspect="1"/>
+          </p:cNvPicPr>
+          <p:nvPr/>
+        </p:nvPicPr>
+        <p:blipFill>
+          <a:blip r:embed="rId3">
+            <a:extLst>
+              <a:ext uri="{28A0092B-C50C-407E-A947-70E740481C1C}">
+                <a14:useLocalDpi xmlns:a14="http://schemas.microsoft.com/office/drawing/2010/main" val="0"/>
+              </a:ext>
+            </a:extLst>
+          </a:blip>
+          <a:stretch>
+            <a:fillRect/>
+          </a:stretch>
+        </p:blipFill>
+        <p:spPr>
+          <a:xfrm>
+            <a:off x="6027367" y="4061213"/>
+            <a:ext cx="5594638" cy="2552831"/>
+          </a:xfrm>
+          <a:prstGeom prst="rect">
+            <a:avLst/>
+          </a:prstGeom>
+        </p:spPr>
+      </p:pic>
     </p:spTree>
     <p:extLst>
       <p:ext uri="{BB962C8B-B14F-4D97-AF65-F5344CB8AC3E}">
@@ -7622,7 +7822,7 @@
           <p:nvPr>
             <p:extLst>
               <p:ext uri="{D42A27DB-BD31-4B8C-83A1-F6EECF244321}">
-                <p14:modId xmlns:p14="http://schemas.microsoft.com/office/powerpoint/2010/main" val="733027124"/>
+                <p14:modId xmlns:p14="http://schemas.microsoft.com/office/powerpoint/2010/main" val="3155907074"/>
               </p:ext>
             </p:extLst>
           </p:nvPr>
